--- a/training-cards/agile moves/Tomatoes (TOM)/ger/apprentice/ger_TOM_02_Bin_in_einer_tomate_AM_Apprentice.pptx
+++ b/training-cards/agile moves/Tomatoes (TOM)/ger/apprentice/ger_TOM_02_Bin_in_einer_tomate_AM_Apprentice.pptx
@@ -107,7 +107,7 @@
   </p:defaultTextStyle>
   <p:extLst>
     <p:ext uri="{EFAFB233-063F-42B5-8137-9DF3F51BA10A}">
-      <p15:sldGuideLst xmlns:p15="http://schemas.microsoft.com/office/powerpoint/2012/main">
+      <p15:sldGuideLst xmlns:p15="http://schemas.microsoft.com/office/powerpoint/2012/main" xmlns="">
         <p15:guide id="1" orient="horz" pos="1103">
           <p15:clr>
             <a:srgbClr val="A4A3A4"/>
@@ -741,7 +741,7 @@
           <a:p>
             <a:fld id="{FF5B2BAF-DF38-0A48-A798-0C06E514FD52}" type="datetimeFigureOut">
               <a:rPr lang="de-DE" smtClean="0"/>
-              <a:t>15.08.2015</a:t>
+              <a:t>29.06.16</a:t>
             </a:fld>
             <a:endParaRPr lang="de-DE" dirty="0"/>
           </a:p>
@@ -1011,7 +1011,7 @@
           <a:p>
             <a:fld id="{FF5B2BAF-DF38-0A48-A798-0C06E514FD52}" type="datetimeFigureOut">
               <a:rPr lang="de-DE" smtClean="0"/>
-              <a:t>15.08.2015</a:t>
+              <a:t>29.06.16</a:t>
             </a:fld>
             <a:endParaRPr lang="de-DE" dirty="0"/>
           </a:p>
@@ -1741,9 +1741,48 @@
           </a:bodyPr>
           <a:lstStyle/>
           <a:p>
+            <a:pPr>
+              <a:spcBef>
+                <a:spcPts val="840"/>
+              </a:spcBef>
+            </a:pPr>
             <a:r>
               <a:rPr lang="de-DE" dirty="0"/>
-              <a:t>Du kannst die </a:t>
+              <a:t>Oft überschätzen wir die Kapazität, die an einem Tag sinnvoll gestemmt werden kann und laufen dann mit einem entsprechenden Mangelgefühl im Bauch herum, nicht genug getan zu haben oder sind frustriert, weil uns äußere Einflüsse von unserer geplanten Arbeit abgehalten haben.</a:t>
+            </a:r>
+          </a:p>
+          <a:p>
+            <a:pPr>
+              <a:spcBef>
+                <a:spcPts val="840"/>
+              </a:spcBef>
+            </a:pPr>
+            <a:r>
+              <a:rPr lang="de-DE" dirty="0" smtClean="0"/>
+              <a:t>Wenn </a:t>
+            </a:r>
+            <a:r>
+              <a:rPr lang="de-DE" dirty="0"/>
+              <a:t>Du beginnst zu dokumentieren, was in Deinen Tag passt, bekommst Du eine Wahrnehmung, was Deine tatsächliche Tageskapazität ist</a:t>
+            </a:r>
+            <a:r>
+              <a:rPr lang="de-DE" dirty="0" smtClean="0"/>
+              <a:t>.</a:t>
+            </a:r>
+          </a:p>
+          <a:p>
+            <a:pPr>
+              <a:spcBef>
+                <a:spcPts val="840"/>
+              </a:spcBef>
+            </a:pPr>
+            <a:r>
+              <a:rPr lang="de-DE" dirty="0" smtClean="0"/>
+              <a:t>Du </a:t>
+            </a:r>
+            <a:r>
+              <a:rPr lang="de-DE" dirty="0"/>
+              <a:t>kannst die </a:t>
             </a:r>
             <a:r>
               <a:rPr lang="de-DE" dirty="0" smtClean="0"/>
@@ -1771,84 +1810,103 @@
             </a:r>
           </a:p>
           <a:p>
+            <a:pPr>
+              <a:spcBef>
+                <a:spcPts val="840"/>
+              </a:spcBef>
+            </a:pPr>
             <a:r>
               <a:rPr lang="de-DE" dirty="0"/>
               <a:t>Störer sind Unterbrechungen von außen, z.B. Telefon, Klingel, Mitbewohner, Arbeitskollegen, etc. </a:t>
             </a:r>
           </a:p>
           <a:p>
+            <a:pPr>
+              <a:spcBef>
+                <a:spcPts val="840"/>
+              </a:spcBef>
+            </a:pPr>
             <a:r>
               <a:rPr lang="de-DE" dirty="0" err="1"/>
               <a:t>Ablenker</a:t>
             </a:r>
             <a:r>
               <a:rPr lang="de-DE" dirty="0"/>
-              <a:t> sind Impulse oder Gedanken, die aus Dir heraus entstehen, und das Ziel der Tomate nicht unmittelbar verfolgen. </a:t>
-            </a:r>
-          </a:p>
-          <a:p>
+              <a:t> sind Impulse oder Gedanken, die aus Dir heraus </a:t>
+            </a:r>
+            <a:r>
+              <a:rPr lang="de-DE" dirty="0" smtClean="0"/>
+              <a:t>entstehen</a:t>
+            </a:r>
             <a:r>
               <a:rPr lang="de-DE" dirty="0"/>
-              <a:t>Beide Ereignisse unterbrechen Deine Konzentration. Im einen Fall brauche ich einen passenden Umgang mit meinem Umfeld und im anderen Fall Training, um bei der Sache bleiben zu können.  </a:t>
-            </a:r>
-          </a:p>
-          <a:p>
+              <a:t> </a:t>
+            </a:r>
+            <a:r>
+              <a:rPr lang="de-DE" dirty="0" smtClean="0"/>
+              <a:t>und </a:t>
+            </a:r>
             <a:r>
               <a:rPr lang="de-DE" dirty="0"/>
-              <a:t>Mögliche Lösungen für Störer: </a:t>
-            </a:r>
-          </a:p>
-          <a:p>
-            <a:pPr lvl="1"/>
+              <a:t>das Ziel der Tomate nicht unmittelbar verfolgen. </a:t>
+            </a:r>
+          </a:p>
+          <a:p>
+            <a:pPr>
+              <a:spcBef>
+                <a:spcPts val="840"/>
+              </a:spcBef>
+            </a:pPr>
             <a:r>
               <a:rPr lang="de-DE" dirty="0"/>
-              <a:t>Telefon während einer Tomate ausschalten oder ignorieren, um nach der Tomate zurückzurufen.</a:t>
-            </a:r>
-          </a:p>
-          <a:p>
-            <a:pPr lvl="1"/>
+              <a:t>Beide Ereignisse unterbrechen Deine Konzentration. Im einen Fall </a:t>
+            </a:r>
+            <a:r>
+              <a:rPr lang="de-DE" dirty="0" smtClean="0"/>
+              <a:t>brauchst Du einen </a:t>
+            </a:r>
             <a:r>
               <a:rPr lang="de-DE" dirty="0"/>
-              <a:t>Arbeitskollegen und Mitbewohner die Tomatentechnik erklären. Evtl. ein Schild auf den Schreibtisch stellen oder an die Tür hängen, dass man nicht gestört werden möchte. </a:t>
-            </a:r>
-          </a:p>
-          <a:p>
-            <a:pPr lvl="1"/>
+              <a:t>passenden Umgang mit </a:t>
+            </a:r>
+            <a:r>
+              <a:rPr lang="de-DE" dirty="0" smtClean="0"/>
+              <a:t>Deinem </a:t>
+            </a:r>
             <a:r>
               <a:rPr lang="de-DE" dirty="0"/>
-              <a:t>In Ausnahmefällen kann man die Tomate stoppen. Überlege aber genau, was ein echter Ausnahmefall ist. Sobald das Notwendigste geregelt ist, lässt man den </a:t>
-            </a:r>
-            <a:r>
-              <a:rPr lang="de-DE" dirty="0" err="1"/>
-              <a:t>Timer</a:t>
-            </a:r>
-            <a:r>
-              <a:rPr lang="de-DE" dirty="0"/>
-              <a:t> weiterlaufen. Die Tomate sollte möglichst kurz unterbrochen werden, um den Konzentrationsfaden nicht abreißen zu lassen.</a:t>
-            </a:r>
-          </a:p>
-          <a:p>
-            <a:r>
-              <a:rPr lang="de-DE" dirty="0"/>
-              <a:t>Möglicher Umgang mit Unterbrechungen: </a:t>
-            </a:r>
-          </a:p>
-          <a:p>
-            <a:pPr lvl="1"/>
-            <a:r>
-              <a:rPr lang="de-DE" dirty="0"/>
-              <a:t>Tomate wird verworfen und man beginnt nach Unterbrechung immer eine neue Tomate. </a:t>
-            </a:r>
-          </a:p>
-          <a:p>
-            <a:pPr lvl="1"/>
-            <a:r>
-              <a:rPr lang="de-DE" dirty="0"/>
-              <a:t>Tomate kann eine bis fünf Minuten unterbrochen werden und läuft dann wieder weiter</a:t>
+              <a:t>Umfeld und im anderen Fall Training, um bei der Sache bleiben zu können</a:t>
             </a:r>
             <a:r>
               <a:rPr lang="de-DE" dirty="0" smtClean="0"/>
               <a:t>.</a:t>
+            </a:r>
+          </a:p>
+          <a:p>
+            <a:pPr>
+              <a:spcBef>
+                <a:spcPts val="840"/>
+              </a:spcBef>
+            </a:pPr>
+            <a:r>
+              <a:rPr lang="de-DE" dirty="0" smtClean="0"/>
+              <a:t>Wenn Du eine Wahrnehmung dafür entwickelt hast, welche Störer und </a:t>
+            </a:r>
+            <a:r>
+              <a:rPr lang="de-DE" dirty="0" err="1" smtClean="0"/>
+              <a:t>Ablenker</a:t>
+            </a:r>
+            <a:r>
+              <a:rPr lang="de-DE" dirty="0" smtClean="0"/>
+              <a:t> Dich am stärksten beeinflussen, kannst Du Ideen und </a:t>
+            </a:r>
+            <a:r>
+              <a:rPr lang="de-DE" dirty="0" smtClean="0"/>
+              <a:t>Strategien </a:t>
+            </a:r>
+            <a:r>
+              <a:rPr lang="de-DE" dirty="0" smtClean="0"/>
+              <a:t>entwickeln, wie Du am besten mit Ihnen umgehen kannst.</a:t>
             </a:r>
             <a:endParaRPr lang="de-DE" dirty="0"/>
           </a:p>
